--- a/threading.pptx
+++ b/threading.pptx
@@ -22186,6 +22186,36 @@
           </a:p>
         </p:txBody>
       </p:sp>
+      <p:pic>
+        <p:nvPicPr>
+          <p:cNvPr id="4" name="Picture 3">
+            <a:extLst>
+              <a:ext uri="{FF2B5EF4-FFF2-40B4-BE49-F238E27FC236}">
+                <a16:creationId xmlns:a16="http://schemas.microsoft.com/office/drawing/2014/main" id="{122B1A97-7E34-728D-5BEE-B7F139395D20}"/>
+              </a:ext>
+            </a:extLst>
+          </p:cNvPr>
+          <p:cNvPicPr>
+            <a:picLocks noChangeAspect="1"/>
+          </p:cNvPicPr>
+          <p:nvPr/>
+        </p:nvPicPr>
+        <p:blipFill>
+          <a:blip r:embed="rId3"/>
+          <a:stretch>
+            <a:fillRect/>
+          </a:stretch>
+        </p:blipFill>
+        <p:spPr>
+          <a:xfrm>
+            <a:off x="1024128" y="3966953"/>
+            <a:ext cx="7286181" cy="2342407"/>
+          </a:xfrm>
+          <a:prstGeom prst="rect">
+            <a:avLst/>
+          </a:prstGeom>
+        </p:spPr>
+      </p:pic>
     </p:spTree>
     <p:extLst>
       <p:ext uri="{BB962C8B-B14F-4D97-AF65-F5344CB8AC3E}">
@@ -25239,6 +25269,15 @@
         <p:txBody>
           <a:bodyPr/>
           <a:lstStyle/>
+          <a:p>
+            <a:r>
+              <a:rPr lang="nl-NL" dirty="0">
+                <a:hlinkClick r:id="rId2"/>
+              </a:rPr>
+              <a:t>https://docs.microsoft.com/en-us/dotnet/core/extensions/timer-service</a:t>
+            </a:r>
+            <a:endParaRPr lang="nl-NL" dirty="0"/>
+          </a:p>
           <a:p>
             <a:endParaRPr lang="en-NL" dirty="0"/>
           </a:p>
